--- a/assets uarm/2023 1 UarmPCrit/La Orestíada - Esquilo.pptx
+++ b/assets uarm/2023 1 UarmPCrit/La Orestíada - Esquilo.pptx
@@ -44,6 +44,7 @@
     <p:sldId id="294" r:id="rId38"/>
     <p:sldId id="289" r:id="rId39"/>
     <p:sldId id="295" r:id="rId40"/>
+    <p:sldId id="296" r:id="rId41"/>
   </p:sldIdLst>
   <p:sldSz cx="12192000" cy="6858000"/>
   <p:notesSz cx="6858000" cy="9144000"/>
@@ -281,7 +282,7 @@
           <a:p>
             <a:fld id="{C5B55EC6-E995-4192-9A44-46C2236D2BA6}" type="datetimeFigureOut">
               <a:rPr lang="es-PE" smtClean="0"/>
-              <a:t>31/03/2023</a:t>
+              <a:t>6/04/2023</a:t>
             </a:fld>
             <a:endParaRPr lang="es-PE"/>
           </a:p>
@@ -451,7 +452,7 @@
           <a:p>
             <a:fld id="{C5B55EC6-E995-4192-9A44-46C2236D2BA6}" type="datetimeFigureOut">
               <a:rPr lang="es-PE" smtClean="0"/>
-              <a:t>31/03/2023</a:t>
+              <a:t>6/04/2023</a:t>
             </a:fld>
             <a:endParaRPr lang="es-PE"/>
           </a:p>
@@ -631,7 +632,7 @@
           <a:p>
             <a:fld id="{C5B55EC6-E995-4192-9A44-46C2236D2BA6}" type="datetimeFigureOut">
               <a:rPr lang="es-PE" smtClean="0"/>
-              <a:t>31/03/2023</a:t>
+              <a:t>6/04/2023</a:t>
             </a:fld>
             <a:endParaRPr lang="es-PE"/>
           </a:p>
@@ -801,7 +802,7 @@
           <a:p>
             <a:fld id="{C5B55EC6-E995-4192-9A44-46C2236D2BA6}" type="datetimeFigureOut">
               <a:rPr lang="es-PE" smtClean="0"/>
-              <a:t>31/03/2023</a:t>
+              <a:t>6/04/2023</a:t>
             </a:fld>
             <a:endParaRPr lang="es-PE"/>
           </a:p>
@@ -1047,7 +1048,7 @@
           <a:p>
             <a:fld id="{C5B55EC6-E995-4192-9A44-46C2236D2BA6}" type="datetimeFigureOut">
               <a:rPr lang="es-PE" smtClean="0"/>
-              <a:t>31/03/2023</a:t>
+              <a:t>6/04/2023</a:t>
             </a:fld>
             <a:endParaRPr lang="es-PE"/>
           </a:p>
@@ -1279,7 +1280,7 @@
           <a:p>
             <a:fld id="{C5B55EC6-E995-4192-9A44-46C2236D2BA6}" type="datetimeFigureOut">
               <a:rPr lang="es-PE" smtClean="0"/>
-              <a:t>31/03/2023</a:t>
+              <a:t>6/04/2023</a:t>
             </a:fld>
             <a:endParaRPr lang="es-PE"/>
           </a:p>
@@ -1646,7 +1647,7 @@
           <a:p>
             <a:fld id="{C5B55EC6-E995-4192-9A44-46C2236D2BA6}" type="datetimeFigureOut">
               <a:rPr lang="es-PE" smtClean="0"/>
-              <a:t>31/03/2023</a:t>
+              <a:t>6/04/2023</a:t>
             </a:fld>
             <a:endParaRPr lang="es-PE"/>
           </a:p>
@@ -1764,7 +1765,7 @@
           <a:p>
             <a:fld id="{C5B55EC6-E995-4192-9A44-46C2236D2BA6}" type="datetimeFigureOut">
               <a:rPr lang="es-PE" smtClean="0"/>
-              <a:t>31/03/2023</a:t>
+              <a:t>6/04/2023</a:t>
             </a:fld>
             <a:endParaRPr lang="es-PE"/>
           </a:p>
@@ -1859,7 +1860,7 @@
           <a:p>
             <a:fld id="{C5B55EC6-E995-4192-9A44-46C2236D2BA6}" type="datetimeFigureOut">
               <a:rPr lang="es-PE" smtClean="0"/>
-              <a:t>31/03/2023</a:t>
+              <a:t>6/04/2023</a:t>
             </a:fld>
             <a:endParaRPr lang="es-PE"/>
           </a:p>
@@ -2136,7 +2137,7 @@
           <a:p>
             <a:fld id="{C5B55EC6-E995-4192-9A44-46C2236D2BA6}" type="datetimeFigureOut">
               <a:rPr lang="es-PE" smtClean="0"/>
-              <a:t>31/03/2023</a:t>
+              <a:t>6/04/2023</a:t>
             </a:fld>
             <a:endParaRPr lang="es-PE"/>
           </a:p>
@@ -2389,7 +2390,7 @@
           <a:p>
             <a:fld id="{C5B55EC6-E995-4192-9A44-46C2236D2BA6}" type="datetimeFigureOut">
               <a:rPr lang="es-PE" smtClean="0"/>
-              <a:t>31/03/2023</a:t>
+              <a:t>6/04/2023</a:t>
             </a:fld>
             <a:endParaRPr lang="es-PE"/>
           </a:p>
@@ -2602,7 +2603,7 @@
           <a:p>
             <a:fld id="{C5B55EC6-E995-4192-9A44-46C2236D2BA6}" type="datetimeFigureOut">
               <a:rPr lang="es-PE" smtClean="0"/>
-              <a:t>31/03/2023</a:t>
+              <a:t>6/04/2023</a:t>
             </a:fld>
             <a:endParaRPr lang="es-PE"/>
           </a:p>
@@ -3031,50 +3032,6 @@
           </a:prstGeom>
         </p:spPr>
       </p:pic>
-      <p:sp>
-        <p:nvSpPr>
-          <p:cNvPr id="2" name="Título 1"/>
-          <p:cNvSpPr>
-            <a:spLocks noGrp="1"/>
-          </p:cNvSpPr>
-          <p:nvPr>
-            <p:ph type="ctrTitle"/>
-          </p:nvPr>
-        </p:nvSpPr>
-        <p:spPr>
-          <a:xfrm>
-            <a:off x="1523999" y="207963"/>
-            <a:ext cx="9144000" cy="945923"/>
-          </a:xfrm>
-        </p:spPr>
-        <p:txBody>
-          <a:bodyPr/>
-          <a:lstStyle/>
-          <a:p>
-            <a:r>
-              <a:rPr lang="es-PE" dirty="0" smtClean="0">
-                <a:solidFill>
-                  <a:schemeClr val="bg1"/>
-                </a:solidFill>
-              </a:rPr>
-              <a:t>La </a:t>
-            </a:r>
-            <a:r>
-              <a:rPr lang="es-PE" dirty="0" err="1" smtClean="0">
-                <a:solidFill>
-                  <a:schemeClr val="bg1"/>
-                </a:solidFill>
-              </a:rPr>
-              <a:t>Orestíada</a:t>
-            </a:r>
-            <a:endParaRPr lang="es-PE" dirty="0">
-              <a:solidFill>
-                <a:schemeClr val="bg1"/>
-              </a:solidFill>
-            </a:endParaRPr>
-          </a:p>
-        </p:txBody>
-      </p:sp>
     </p:spTree>
     <p:extLst>
       <p:ext uri="{BB962C8B-B14F-4D97-AF65-F5344CB8AC3E}">
@@ -9419,6 +9376,84 @@
     <p:extLst>
       <p:ext uri="{BB962C8B-B14F-4D97-AF65-F5344CB8AC3E}">
         <p14:creationId xmlns:p14="http://schemas.microsoft.com/office/powerpoint/2010/main" val="391639557"/>
+      </p:ext>
+    </p:extLst>
+  </p:cSld>
+  <p:clrMapOvr>
+    <a:masterClrMapping/>
+  </p:clrMapOvr>
+</p:sld>
+</file>
+
+<file path=ppt/slides/slide40.xml><?xml version="1.0" encoding="utf-8"?>
+<p:sld xmlns:a="http://schemas.openxmlformats.org/drawingml/2006/main" xmlns:r="http://schemas.openxmlformats.org/officeDocument/2006/relationships" xmlns:p="http://schemas.openxmlformats.org/presentationml/2006/main">
+  <p:cSld>
+    <p:spTree>
+      <p:nvGrpSpPr>
+        <p:cNvPr id="1" name=""/>
+        <p:cNvGrpSpPr/>
+        <p:nvPr/>
+      </p:nvGrpSpPr>
+      <p:grpSpPr>
+        <a:xfrm>
+          <a:off x="0" y="0"/>
+          <a:ext cx="0" cy="0"/>
+          <a:chOff x="0" y="0"/>
+          <a:chExt cx="0" cy="0"/>
+        </a:xfrm>
+      </p:grpSpPr>
+      <p:pic>
+        <p:nvPicPr>
+          <p:cNvPr id="5" name="Imagen 4"/>
+          <p:cNvPicPr>
+            <a:picLocks noChangeAspect="1"/>
+          </p:cNvPicPr>
+          <p:nvPr/>
+        </p:nvPicPr>
+        <p:blipFill>
+          <a:blip r:embed="rId2"/>
+          <a:stretch>
+            <a:fillRect/>
+          </a:stretch>
+        </p:blipFill>
+        <p:spPr>
+          <a:xfrm>
+            <a:off x="2183752" y="2017356"/>
+            <a:ext cx="2910762" cy="2910762"/>
+          </a:xfrm>
+          <a:prstGeom prst="rect">
+            <a:avLst/>
+          </a:prstGeom>
+        </p:spPr>
+      </p:pic>
+      <p:pic>
+        <p:nvPicPr>
+          <p:cNvPr id="6" name="Imagen 5"/>
+          <p:cNvPicPr>
+            <a:picLocks noChangeAspect="1"/>
+          </p:cNvPicPr>
+          <p:nvPr/>
+        </p:nvPicPr>
+        <p:blipFill>
+          <a:blip r:embed="rId3"/>
+          <a:stretch>
+            <a:fillRect/>
+          </a:stretch>
+        </p:blipFill>
+        <p:spPr>
+          <a:xfrm>
+            <a:off x="6692089" y="1546078"/>
+            <a:ext cx="3328988" cy="3382040"/>
+          </a:xfrm>
+          <a:prstGeom prst="rect">
+            <a:avLst/>
+          </a:prstGeom>
+        </p:spPr>
+      </p:pic>
+    </p:spTree>
+    <p:extLst>
+      <p:ext uri="{BB962C8B-B14F-4D97-AF65-F5344CB8AC3E}">
+        <p14:creationId xmlns:p14="http://schemas.microsoft.com/office/powerpoint/2010/main" val="657005972"/>
       </p:ext>
     </p:extLst>
   </p:cSld>
